--- a/Later/Generics/8/The extends Wildcard Boundary.pptx
+++ b/Later/Generics/8/The extends Wildcard Boundary.pptx
@@ -3781,12 +3781,12 @@
         <p:spPr>
           <a:xfrm>
             <a:off x="4267200" y="1287462"/>
-            <a:ext cx="4572000" cy="1560513"/>
+            <a:ext cx="4572000" cy="1989138"/>
           </a:xfrm>
           <a:prstGeom prst="wedgeRoundRectCallout">
             <a:avLst>
-              <a:gd name="adj1" fmla="val -60776"/>
-              <a:gd name="adj2" fmla="val -17561"/>
+              <a:gd name="adj1" fmla="val -62234"/>
+              <a:gd name="adj2" fmla="val -21871"/>
               <a:gd name="adj3" fmla="val 16667"/>
             </a:avLst>
           </a:prstGeom>
@@ -3816,19 +3816,7 @@
             </a:pPr>
             <a:r>
               <a:rPr lang="en-US" sz="1200" dirty="0"/>
-              <a:t>List&lt;? extends A&gt;</a:t>
-            </a:r>
-            <a:r>
-              <a:rPr lang="en-US" sz="1200" dirty="0"/>
-              <a:t> means a </a:t>
-            </a:r>
-            <a:r>
-              <a:rPr lang="en-US" sz="1200" dirty="0"/>
-              <a:t>List</a:t>
-            </a:r>
-            <a:r>
-              <a:rPr lang="en-US" sz="1200" dirty="0"/>
-              <a:t> of objects that are instances of the class A, or subclasses of A (e.g. B and C</a:t>
+              <a:t>List&lt;? extends A&gt; means a List of objects that are instances of the class A, or subclasses of A (e.g. B and C</a:t>
             </a:r>
             <a:r>
               <a:rPr lang="en-US" sz="1200" dirty="0" smtClean="0"/>
@@ -3853,7 +3841,64 @@
             </a:r>
             <a:r>
               <a:rPr lang="en-US" sz="1200" dirty="0" smtClean="0"/>
-              <a:t>instances.</a:t>
+              <a:t>instances</a:t>
+            </a:r>
+            <a:r>
+              <a:rPr lang="en-US" sz="1200" dirty="0" smtClean="0"/>
+              <a:t>.</a:t>
+            </a:r>
+          </a:p>
+          <a:p>
+            <a:pPr marL="171450" indent="-171450">
+              <a:buFont typeface="Wingdings" pitchFamily="2" charset="2"/>
+              <a:buChar char="ü"/>
+            </a:pPr>
+            <a:endParaRPr lang="en-US" sz="1200" dirty="0"/>
+          </a:p>
+          <a:p>
+            <a:pPr marL="171450" indent="-171450">
+              <a:buFont typeface="Wingdings" pitchFamily="2" charset="2"/>
+              <a:buChar char="ü"/>
+            </a:pPr>
+            <a:r>
+              <a:rPr lang="en-US" sz="1200" dirty="0"/>
+              <a:t>The </a:t>
+            </a:r>
+            <a:r>
+              <a:rPr lang="en-US" sz="1200" dirty="0"/>
+              <a:t>processElements</a:t>
+            </a:r>
+            <a:r>
+              <a:rPr lang="en-US" sz="1200" dirty="0"/>
+              <a:t>()</a:t>
+            </a:r>
+            <a:r>
+              <a:rPr lang="en-US" sz="1200" dirty="0"/>
+              <a:t> method still cannot insert elements into the list, because you don't know if the list passed as parameter is typed to the class </a:t>
+            </a:r>
+            <a:r>
+              <a:rPr lang="en-US" sz="1200" dirty="0"/>
+              <a:t>A</a:t>
+            </a:r>
+            <a:r>
+              <a:rPr lang="en-US" sz="1200" dirty="0"/>
+              <a:t>, </a:t>
+            </a:r>
+            <a:r>
+              <a:rPr lang="en-US" sz="1200" dirty="0"/>
+              <a:t>B</a:t>
+            </a:r>
+            <a:r>
+              <a:rPr lang="en-US" sz="1200" dirty="0"/>
+              <a:t> or </a:t>
+            </a:r>
+            <a:r>
+              <a:rPr lang="en-US" sz="1200" dirty="0"/>
+              <a:t>C</a:t>
+            </a:r>
+            <a:r>
+              <a:rPr lang="en-US" sz="1200" dirty="0"/>
+              <a:t>.</a:t>
             </a:r>
             <a:endParaRPr lang="en-US" sz="1200" dirty="0"/>
           </a:p>
